--- a/presentation.pptx
+++ b/presentation.pptx
@@ -12,6 +12,8 @@
     <p:sldId id="262" r:id="rId6"/>
     <p:sldId id="260" r:id="rId7"/>
     <p:sldId id="261" r:id="rId8"/>
+    <p:sldId id="263" r:id="rId9"/>
+    <p:sldId id="264" r:id="rId10"/>
   </p:sldIdLst>
   <p:sldSz cx="12192000" cy="6858000"/>
   <p:notesSz cx="6858000" cy="9144000"/>
@@ -110,6 +112,32 @@
       </a:defRPr>
     </a:lvl9pPr>
   </p:defaultTextStyle>
+  <p:extLst>
+    <p:ext uri="{521415D9-36F7-43E2-AB2F-B90AF26B5E84}">
+      <p14:sectionLst xmlns:p14="http://schemas.microsoft.com/office/powerpoint/2010/main">
+        <p14:section name="OVERALL" id="{1530B544-1357-4B56-A4C0-7F0FAE830441}">
+          <p14:sldIdLst>
+            <p14:sldId id="256"/>
+            <p14:sldId id="257"/>
+            <p14:sldId id="259"/>
+            <p14:sldId id="258"/>
+            <p14:sldId id="262"/>
+            <p14:sldId id="260"/>
+            <p14:sldId id="261"/>
+          </p14:sldIdLst>
+        </p14:section>
+        <p14:section name="WAKTUNYA JELASIN" id="{883E48CF-BD20-4EC5-A15E-295C0182213B}">
+          <p14:sldIdLst>
+            <p14:sldId id="263"/>
+            <p14:sldId id="264"/>
+          </p14:sldIdLst>
+        </p14:section>
+      </p14:sectionLst>
+    </p:ext>
+    <p:ext uri="{EFAFB233-063F-42B5-8137-9DF3F51BA10A}">
+      <p15:sldGuideLst xmlns:p15="http://schemas.microsoft.com/office/powerpoint/2012/main"/>
+    </p:ext>
+  </p:extLst>
 </p:presentation>
 </file>
 
@@ -332,6 +360,18 @@
   <p:clrMapOvr>
     <a:masterClrMapping/>
   </p:clrMapOvr>
+  <mc:AlternateContent xmlns:mc="http://schemas.openxmlformats.org/markup-compatibility/2006">
+    <mc:Choice xmlns:p159="http://schemas.microsoft.com/office/powerpoint/2015/09/main" Requires="p159">
+      <p:transition spd="med">
+        <p159:morph option="byObject"/>
+      </p:transition>
+    </mc:Choice>
+    <mc:Fallback>
+      <p:transition spd="med">
+        <p:fade/>
+      </p:transition>
+    </mc:Fallback>
+  </mc:AlternateContent>
 </p:sldLayout>
 </file>
 
@@ -532,6 +572,18 @@
   <p:clrMapOvr>
     <a:masterClrMapping/>
   </p:clrMapOvr>
+  <mc:AlternateContent xmlns:mc="http://schemas.openxmlformats.org/markup-compatibility/2006">
+    <mc:Choice xmlns:p159="http://schemas.microsoft.com/office/powerpoint/2015/09/main" Requires="p159">
+      <p:transition spd="med">
+        <p159:morph option="byObject"/>
+      </p:transition>
+    </mc:Choice>
+    <mc:Fallback>
+      <p:transition spd="med">
+        <p:fade/>
+      </p:transition>
+    </mc:Fallback>
+  </mc:AlternateContent>
 </p:sldLayout>
 </file>
 
@@ -742,6 +794,18 @@
   <p:clrMapOvr>
     <a:masterClrMapping/>
   </p:clrMapOvr>
+  <mc:AlternateContent xmlns:mc="http://schemas.openxmlformats.org/markup-compatibility/2006">
+    <mc:Choice xmlns:p159="http://schemas.microsoft.com/office/powerpoint/2015/09/main" Requires="p159">
+      <p:transition spd="med">
+        <p159:morph option="byObject"/>
+      </p:transition>
+    </mc:Choice>
+    <mc:Fallback>
+      <p:transition spd="med">
+        <p:fade/>
+      </p:transition>
+    </mc:Fallback>
+  </mc:AlternateContent>
 </p:sldLayout>
 </file>
 
@@ -942,6 +1006,18 @@
   <p:clrMapOvr>
     <a:masterClrMapping/>
   </p:clrMapOvr>
+  <mc:AlternateContent xmlns:mc="http://schemas.openxmlformats.org/markup-compatibility/2006">
+    <mc:Choice xmlns:p159="http://schemas.microsoft.com/office/powerpoint/2015/09/main" Requires="p159">
+      <p:transition spd="med">
+        <p159:morph option="byObject"/>
+      </p:transition>
+    </mc:Choice>
+    <mc:Fallback>
+      <p:transition spd="med">
+        <p:fade/>
+      </p:transition>
+    </mc:Fallback>
+  </mc:AlternateContent>
 </p:sldLayout>
 </file>
 
@@ -1218,6 +1294,18 @@
   <p:clrMapOvr>
     <a:masterClrMapping/>
   </p:clrMapOvr>
+  <mc:AlternateContent xmlns:mc="http://schemas.openxmlformats.org/markup-compatibility/2006">
+    <mc:Choice xmlns:p159="http://schemas.microsoft.com/office/powerpoint/2015/09/main" Requires="p159">
+      <p:transition spd="med">
+        <p159:morph option="byObject"/>
+      </p:transition>
+    </mc:Choice>
+    <mc:Fallback>
+      <p:transition spd="med">
+        <p:fade/>
+      </p:transition>
+    </mc:Fallback>
+  </mc:AlternateContent>
 </p:sldLayout>
 </file>
 
@@ -1486,6 +1574,18 @@
   <p:clrMapOvr>
     <a:masterClrMapping/>
   </p:clrMapOvr>
+  <mc:AlternateContent xmlns:mc="http://schemas.openxmlformats.org/markup-compatibility/2006">
+    <mc:Choice xmlns:p159="http://schemas.microsoft.com/office/powerpoint/2015/09/main" Requires="p159">
+      <p:transition spd="med">
+        <p159:morph option="byObject"/>
+      </p:transition>
+    </mc:Choice>
+    <mc:Fallback>
+      <p:transition spd="med">
+        <p:fade/>
+      </p:transition>
+    </mc:Fallback>
+  </mc:AlternateContent>
 </p:sldLayout>
 </file>
 
@@ -1901,6 +2001,18 @@
   <p:clrMapOvr>
     <a:masterClrMapping/>
   </p:clrMapOvr>
+  <mc:AlternateContent xmlns:mc="http://schemas.openxmlformats.org/markup-compatibility/2006">
+    <mc:Choice xmlns:p159="http://schemas.microsoft.com/office/powerpoint/2015/09/main" Requires="p159">
+      <p:transition spd="med">
+        <p159:morph option="byObject"/>
+      </p:transition>
+    </mc:Choice>
+    <mc:Fallback>
+      <p:transition spd="med">
+        <p:fade/>
+      </p:transition>
+    </mc:Fallback>
+  </mc:AlternateContent>
 </p:sldLayout>
 </file>
 
@@ -2043,6 +2155,18 @@
   <p:clrMapOvr>
     <a:masterClrMapping/>
   </p:clrMapOvr>
+  <mc:AlternateContent xmlns:mc="http://schemas.openxmlformats.org/markup-compatibility/2006">
+    <mc:Choice xmlns:p159="http://schemas.microsoft.com/office/powerpoint/2015/09/main" Requires="p159">
+      <p:transition spd="med">
+        <p159:morph option="byObject"/>
+      </p:transition>
+    </mc:Choice>
+    <mc:Fallback>
+      <p:transition spd="med">
+        <p:fade/>
+      </p:transition>
+    </mc:Fallback>
+  </mc:AlternateContent>
 </p:sldLayout>
 </file>
 
@@ -2156,6 +2280,18 @@
   <p:clrMapOvr>
     <a:masterClrMapping/>
   </p:clrMapOvr>
+  <mc:AlternateContent xmlns:mc="http://schemas.openxmlformats.org/markup-compatibility/2006">
+    <mc:Choice xmlns:p159="http://schemas.microsoft.com/office/powerpoint/2015/09/main" Requires="p159">
+      <p:transition spd="med">
+        <p159:morph option="byObject"/>
+      </p:transition>
+    </mc:Choice>
+    <mc:Fallback>
+      <p:transition spd="med">
+        <p:fade/>
+      </p:transition>
+    </mc:Fallback>
+  </mc:AlternateContent>
 </p:sldLayout>
 </file>
 
@@ -2469,6 +2605,18 @@
   <p:clrMapOvr>
     <a:masterClrMapping/>
   </p:clrMapOvr>
+  <mc:AlternateContent xmlns:mc="http://schemas.openxmlformats.org/markup-compatibility/2006">
+    <mc:Choice xmlns:p159="http://schemas.microsoft.com/office/powerpoint/2015/09/main" Requires="p159">
+      <p:transition spd="med">
+        <p159:morph option="byObject"/>
+      </p:transition>
+    </mc:Choice>
+    <mc:Fallback>
+      <p:transition spd="med">
+        <p:fade/>
+      </p:transition>
+    </mc:Fallback>
+  </mc:AlternateContent>
 </p:sldLayout>
 </file>
 
@@ -2758,6 +2906,18 @@
   <p:clrMapOvr>
     <a:masterClrMapping/>
   </p:clrMapOvr>
+  <mc:AlternateContent xmlns:mc="http://schemas.openxmlformats.org/markup-compatibility/2006">
+    <mc:Choice xmlns:p159="http://schemas.microsoft.com/office/powerpoint/2015/09/main" Requires="p159">
+      <p:transition spd="med">
+        <p159:morph option="byObject"/>
+      </p:transition>
+    </mc:Choice>
+    <mc:Fallback>
+      <p:transition spd="med">
+        <p:fade/>
+      </p:transition>
+    </mc:Fallback>
+  </mc:AlternateContent>
 </p:sldLayout>
 </file>
 
@@ -3048,6 +3208,18 @@
     <p:sldLayoutId id="2147483658" r:id="rId10"/>
     <p:sldLayoutId id="2147483659" r:id="rId11"/>
   </p:sldLayoutIdLst>
+  <mc:AlternateContent xmlns:mc="http://schemas.openxmlformats.org/markup-compatibility/2006">
+    <mc:Choice xmlns:p159="http://schemas.microsoft.com/office/powerpoint/2015/09/main" Requires="p159">
+      <p:transition spd="med">
+        <p159:morph option="byObject"/>
+      </p:transition>
+    </mc:Choice>
+    <mc:Fallback>
+      <p:transition spd="med">
+        <p:fade/>
+      </p:transition>
+    </mc:Fallback>
+  </mc:AlternateContent>
   <p:txStyles>
     <p:titleStyle>
       <a:lvl1pPr algn="l" defTabSz="914400" rtl="0" eaLnBrk="1" latinLnBrk="0" hangingPunct="1">
@@ -3445,6 +3617,86 @@
           </a:prstGeom>
         </p:spPr>
       </p:pic>
+      <p:sp>
+        <p:nvSpPr>
+          <p:cNvPr id="2" name="TextBox 1">
+            <a:extLst>
+              <a:ext uri="{FF2B5EF4-FFF2-40B4-BE49-F238E27FC236}">
+                <a16:creationId xmlns:a16="http://schemas.microsoft.com/office/drawing/2014/main" id="{E2A5FE47-7A29-F6F6-7FF7-B6340073922B}"/>
+              </a:ext>
+            </a:extLst>
+          </p:cNvPr>
+          <p:cNvSpPr txBox="1"/>
+          <p:nvPr/>
+        </p:nvSpPr>
+        <p:spPr>
+          <a:xfrm>
+            <a:off x="62166" y="6526700"/>
+            <a:ext cx="6644768" cy="307777"/>
+          </a:xfrm>
+          <a:prstGeom prst="rect">
+            <a:avLst/>
+          </a:prstGeom>
+          <a:noFill/>
+        </p:spPr>
+        <p:txBody>
+          <a:bodyPr wrap="none" rtlCol="0">
+            <a:spAutoFit/>
+          </a:bodyPr>
+          <a:lstStyle/>
+          <a:p>
+            <a:r>
+              <a:rPr lang="id-ID" sz="1400" b="1">
+                <a:latin typeface="Inter" panose="02000503000000020004" pitchFamily="2" charset="0"/>
+                <a:ea typeface="Inter" panose="02000503000000020004" pitchFamily="2" charset="0"/>
+              </a:rPr>
+              <a:t>Muhammad Asyrofi </a:t>
+            </a:r>
+            <a:r>
+              <a:rPr lang="id-ID" sz="1400">
+                <a:latin typeface="Inter" panose="02000503000000020004" pitchFamily="2" charset="0"/>
+                <a:ea typeface="Inter" panose="02000503000000020004" pitchFamily="2" charset="0"/>
+              </a:rPr>
+              <a:t>|</a:t>
+            </a:r>
+            <a:r>
+              <a:rPr lang="id-ID" sz="1400" b="1">
+                <a:latin typeface="Inter" panose="02000503000000020004" pitchFamily="2" charset="0"/>
+                <a:ea typeface="Inter" panose="02000503000000020004" pitchFamily="2" charset="0"/>
+              </a:rPr>
+              <a:t> Anggriawan R </a:t>
+            </a:r>
+            <a:r>
+              <a:rPr lang="id-ID" sz="1400">
+                <a:latin typeface="Inter" panose="02000503000000020004" pitchFamily="2" charset="0"/>
+                <a:ea typeface="Inter" panose="02000503000000020004" pitchFamily="2" charset="0"/>
+              </a:rPr>
+              <a:t>|</a:t>
+            </a:r>
+            <a:r>
+              <a:rPr lang="id-ID" sz="1400" b="1">
+                <a:latin typeface="Inter" panose="02000503000000020004" pitchFamily="2" charset="0"/>
+                <a:ea typeface="Inter" panose="02000503000000020004" pitchFamily="2" charset="0"/>
+              </a:rPr>
+              <a:t> Muhammad Ridho Isdi </a:t>
+            </a:r>
+            <a:r>
+              <a:rPr lang="id-ID" sz="1400">
+                <a:latin typeface="Inter" panose="02000503000000020004" pitchFamily="2" charset="0"/>
+                <a:ea typeface="Inter" panose="02000503000000020004" pitchFamily="2" charset="0"/>
+              </a:rPr>
+              <a:t>|</a:t>
+            </a:r>
+            <a:r>
+              <a:rPr lang="id-ID" sz="1400" b="1">
+                <a:latin typeface="Inter" panose="02000503000000020004" pitchFamily="2" charset="0"/>
+                <a:ea typeface="Inter" panose="02000503000000020004" pitchFamily="2" charset="0"/>
+              </a:rPr>
+              <a:t> Khaqul Huda</a:t>
+            </a:r>
+          </a:p>
+        </p:txBody>
+      </p:sp>
     </p:spTree>
     <p:extLst>
       <p:ext uri="{BB962C8B-B14F-4D97-AF65-F5344CB8AC3E}">
@@ -3455,7 +3707,18 @@
   <p:clrMapOvr>
     <a:masterClrMapping/>
   </p:clrMapOvr>
-  <p:transition spd="med"/>
+  <mc:AlternateContent xmlns:mc="http://schemas.openxmlformats.org/markup-compatibility/2006">
+    <mc:Choice xmlns:p159="http://schemas.microsoft.com/office/powerpoint/2015/09/main" Requires="p159">
+      <p:transition spd="med">
+        <p159:morph option="byObject"/>
+      </p:transition>
+    </mc:Choice>
+    <mc:Fallback>
+      <p:transition spd="med">
+        <p:fade/>
+      </p:transition>
+    </mc:Fallback>
+  </mc:AlternateContent>
 </p:sld>
 </file>
 
@@ -3631,12 +3894,12 @@
   </p:clrMapOvr>
   <mc:AlternateContent xmlns:mc="http://schemas.openxmlformats.org/markup-compatibility/2006">
     <mc:Choice xmlns:p159="http://schemas.microsoft.com/office/powerpoint/2015/09/main" Requires="p159">
-      <p:transition xmlns:p14="http://schemas.microsoft.com/office/powerpoint/2010/main" spd="slow" p14:dur="2000">
+      <p:transition spd="med">
         <p159:morph option="byObject"/>
       </p:transition>
     </mc:Choice>
     <mc:Fallback>
-      <p:transition spd="slow">
+      <p:transition spd="med">
         <p:fade/>
       </p:transition>
     </mc:Fallback>
@@ -4398,12 +4661,12 @@
   </p:clrMapOvr>
   <mc:AlternateContent xmlns:mc="http://schemas.openxmlformats.org/markup-compatibility/2006">
     <mc:Choice xmlns:p159="http://schemas.microsoft.com/office/powerpoint/2015/09/main" Requires="p159">
-      <p:transition xmlns:p14="http://schemas.microsoft.com/office/powerpoint/2010/main" spd="slow" p14:dur="2000">
+      <p:transition spd="med">
         <p159:morph option="byObject"/>
       </p:transition>
     </mc:Choice>
     <mc:Fallback>
-      <p:transition spd="slow">
+      <p:transition spd="med">
         <p:fade/>
       </p:transition>
     </mc:Fallback>
@@ -4575,12 +4838,12 @@
   </p:clrMapOvr>
   <mc:AlternateContent xmlns:mc="http://schemas.openxmlformats.org/markup-compatibility/2006">
     <mc:Choice xmlns:p159="http://schemas.microsoft.com/office/powerpoint/2015/09/main" Requires="p159">
-      <p:transition xmlns:p14="http://schemas.microsoft.com/office/powerpoint/2010/main" spd="slow" p14:dur="2000">
+      <p:transition spd="med">
         <p159:morph option="byObject"/>
       </p:transition>
     </mc:Choice>
     <mc:Fallback>
-      <p:transition spd="slow">
+      <p:transition spd="med">
         <p:fade/>
       </p:transition>
     </mc:Fallback>
@@ -4752,12 +5015,12 @@
   </p:clrMapOvr>
   <mc:AlternateContent xmlns:mc="http://schemas.openxmlformats.org/markup-compatibility/2006">
     <mc:Choice xmlns:p159="http://schemas.microsoft.com/office/powerpoint/2015/09/main" Requires="p159">
-      <p:transition xmlns:p14="http://schemas.microsoft.com/office/powerpoint/2010/main" spd="slow" p14:dur="2000">
+      <p:transition spd="med">
         <p159:morph option="byObject"/>
       </p:transition>
     </mc:Choice>
     <mc:Fallback>
-      <p:transition spd="slow">
+      <p:transition spd="med">
         <p:fade/>
       </p:transition>
     </mc:Fallback>
@@ -4929,12 +5192,12 @@
   </p:clrMapOvr>
   <mc:AlternateContent xmlns:mc="http://schemas.openxmlformats.org/markup-compatibility/2006">
     <mc:Choice xmlns:p159="http://schemas.microsoft.com/office/powerpoint/2015/09/main" Requires="p159">
-      <p:transition xmlns:p14="http://schemas.microsoft.com/office/powerpoint/2010/main" spd="slow" p14:dur="2000">
+      <p:transition spd="med">
         <p159:morph option="byObject"/>
       </p:transition>
     </mc:Choice>
     <mc:Fallback>
-      <p:transition spd="slow">
+      <p:transition spd="med">
         <p:fade/>
       </p:transition>
     </mc:Fallback>
@@ -5106,12 +5369,290 @@
   </p:clrMapOvr>
   <mc:AlternateContent xmlns:mc="http://schemas.openxmlformats.org/markup-compatibility/2006">
     <mc:Choice xmlns:p159="http://schemas.microsoft.com/office/powerpoint/2015/09/main" Requires="p159">
-      <p:transition xmlns:p14="http://schemas.microsoft.com/office/powerpoint/2010/main" spd="slow" p14:dur="2000">
+      <p:transition spd="med">
         <p159:morph option="byObject"/>
       </p:transition>
     </mc:Choice>
     <mc:Fallback>
-      <p:transition spd="slow">
+      <p:transition spd="med">
+        <p:fade/>
+      </p:transition>
+    </mc:Fallback>
+  </mc:AlternateContent>
+</p:sld>
+</file>
+
+<file path=ppt/slides/slide8.xml><?xml version="1.0" encoding="utf-8"?>
+<p:sld xmlns:a="http://schemas.openxmlformats.org/drawingml/2006/main" xmlns:r="http://schemas.openxmlformats.org/officeDocument/2006/relationships" xmlns:p="http://schemas.openxmlformats.org/presentationml/2006/main">
+  <p:cSld>
+    <p:bg>
+      <p:bgPr>
+        <a:blipFill dpi="0" rotWithShape="1">
+          <a:blip r:embed="rId2">
+            <a:lum/>
+          </a:blip>
+          <a:srcRect/>
+          <a:stretch>
+            <a:fillRect l="-13000" r="-16000"/>
+          </a:stretch>
+        </a:blipFill>
+        <a:effectLst/>
+      </p:bgPr>
+    </p:bg>
+    <p:spTree>
+      <p:nvGrpSpPr>
+        <p:cNvPr id="1" name=""/>
+        <p:cNvGrpSpPr/>
+        <p:nvPr/>
+      </p:nvGrpSpPr>
+      <p:grpSpPr>
+        <a:xfrm>
+          <a:off x="0" y="0"/>
+          <a:ext cx="0" cy="0"/>
+          <a:chOff x="0" y="0"/>
+          <a:chExt cx="0" cy="0"/>
+        </a:xfrm>
+      </p:grpSpPr>
+      <p:sp>
+        <p:nvSpPr>
+          <p:cNvPr id="6" name="TextBox 5">
+            <a:extLst>
+              <a:ext uri="{FF2B5EF4-FFF2-40B4-BE49-F238E27FC236}">
+                <a16:creationId xmlns:a16="http://schemas.microsoft.com/office/drawing/2014/main" id="{387CD55E-3EC0-A8E0-D446-79493D2C7C99}"/>
+              </a:ext>
+            </a:extLst>
+          </p:cNvPr>
+          <p:cNvSpPr txBox="1"/>
+          <p:nvPr/>
+        </p:nvSpPr>
+        <p:spPr>
+          <a:xfrm>
+            <a:off x="673100" y="2828835"/>
+            <a:ext cx="5422900" cy="1200329"/>
+          </a:xfrm>
+          <a:prstGeom prst="rect">
+            <a:avLst/>
+          </a:prstGeom>
+          <a:noFill/>
+        </p:spPr>
+        <p:txBody>
+          <a:bodyPr wrap="square" rtlCol="0">
+            <a:spAutoFit/>
+          </a:bodyPr>
+          <a:lstStyle/>
+          <a:p>
+            <a:r>
+              <a:rPr lang="id-ID" sz="7200" b="1">
+                <a:solidFill>
+                  <a:schemeClr val="tx1">
+                    <a:lumMod val="85000"/>
+                    <a:lumOff val="15000"/>
+                  </a:schemeClr>
+                </a:solidFill>
+                <a:latin typeface="Inter Black" panose="02000503000000020004" pitchFamily="2" charset="0"/>
+                <a:ea typeface="Inter Black" panose="02000503000000020004" pitchFamily="2" charset="0"/>
+              </a:rPr>
+              <a:t>BACKEND</a:t>
+            </a:r>
+          </a:p>
+        </p:txBody>
+      </p:sp>
+      <p:pic>
+        <p:nvPicPr>
+          <p:cNvPr id="5" name="Graphic 4">
+            <a:extLst>
+              <a:ext uri="{FF2B5EF4-FFF2-40B4-BE49-F238E27FC236}">
+                <a16:creationId xmlns:a16="http://schemas.microsoft.com/office/drawing/2014/main" id="{3A3C78C6-F9DB-FD25-8235-121772F5DC9C}"/>
+              </a:ext>
+            </a:extLst>
+          </p:cNvPr>
+          <p:cNvPicPr>
+            <a:picLocks noChangeAspect="1"/>
+          </p:cNvPicPr>
+          <p:nvPr/>
+        </p:nvPicPr>
+        <p:blipFill>
+          <a:blip r:embed="rId3">
+            <a:extLst>
+              <a:ext uri="{28A0092B-C50C-407E-A947-70E740481C1C}">
+                <a14:useLocalDpi xmlns:a14="http://schemas.microsoft.com/office/drawing/2010/main" val="0"/>
+              </a:ext>
+              <a:ext uri="{96DAC541-7B7A-43D3-8B79-37D633B846F1}">
+                <asvg:svgBlip xmlns:asvg="http://schemas.microsoft.com/office/drawing/2016/SVG/main" r:embed="rId4"/>
+              </a:ext>
+            </a:extLst>
+          </a:blip>
+          <a:stretch>
+            <a:fillRect/>
+          </a:stretch>
+        </p:blipFill>
+        <p:spPr>
+          <a:xfrm>
+            <a:off x="158750" y="129044"/>
+            <a:ext cx="666750" cy="433004"/>
+          </a:xfrm>
+          <a:prstGeom prst="rect">
+            <a:avLst/>
+          </a:prstGeom>
+        </p:spPr>
+      </p:pic>
+    </p:spTree>
+    <p:extLst>
+      <p:ext uri="{BB962C8B-B14F-4D97-AF65-F5344CB8AC3E}">
+        <p14:creationId xmlns:p14="http://schemas.microsoft.com/office/powerpoint/2010/main" val="813108929"/>
+      </p:ext>
+    </p:extLst>
+  </p:cSld>
+  <p:clrMapOvr>
+    <a:masterClrMapping/>
+  </p:clrMapOvr>
+  <mc:AlternateContent xmlns:mc="http://schemas.openxmlformats.org/markup-compatibility/2006">
+    <mc:Choice xmlns:p159="http://schemas.microsoft.com/office/powerpoint/2015/09/main" Requires="p159">
+      <p:transition spd="med">
+        <p159:morph option="byObject"/>
+      </p:transition>
+    </mc:Choice>
+    <mc:Fallback>
+      <p:transition spd="med">
+        <p:fade/>
+      </p:transition>
+    </mc:Fallback>
+  </mc:AlternateContent>
+</p:sld>
+</file>
+
+<file path=ppt/slides/slide9.xml><?xml version="1.0" encoding="utf-8"?>
+<p:sld xmlns:a="http://schemas.openxmlformats.org/drawingml/2006/main" xmlns:r="http://schemas.openxmlformats.org/officeDocument/2006/relationships" xmlns:p="http://schemas.openxmlformats.org/presentationml/2006/main">
+  <p:cSld>
+    <p:bg>
+      <p:bgPr>
+        <a:blipFill dpi="0" rotWithShape="1">
+          <a:blip r:embed="rId2">
+            <a:lum/>
+          </a:blip>
+          <a:srcRect/>
+          <a:stretch>
+            <a:fillRect l="-13000" r="-16000"/>
+          </a:stretch>
+        </a:blipFill>
+        <a:effectLst/>
+      </p:bgPr>
+    </p:bg>
+    <p:spTree>
+      <p:nvGrpSpPr>
+        <p:cNvPr id="1" name=""/>
+        <p:cNvGrpSpPr/>
+        <p:nvPr/>
+      </p:nvGrpSpPr>
+      <p:grpSpPr>
+        <a:xfrm>
+          <a:off x="0" y="0"/>
+          <a:ext cx="0" cy="0"/>
+          <a:chOff x="0" y="0"/>
+          <a:chExt cx="0" cy="0"/>
+        </a:xfrm>
+      </p:grpSpPr>
+      <p:sp>
+        <p:nvSpPr>
+          <p:cNvPr id="6" name="TextBox 5">
+            <a:extLst>
+              <a:ext uri="{FF2B5EF4-FFF2-40B4-BE49-F238E27FC236}">
+                <a16:creationId xmlns:a16="http://schemas.microsoft.com/office/drawing/2014/main" id="{387CD55E-3EC0-A8E0-D446-79493D2C7C99}"/>
+              </a:ext>
+            </a:extLst>
+          </p:cNvPr>
+          <p:cNvSpPr txBox="1"/>
+          <p:nvPr/>
+        </p:nvSpPr>
+        <p:spPr>
+          <a:xfrm>
+            <a:off x="673100" y="2828835"/>
+            <a:ext cx="5422900" cy="1200329"/>
+          </a:xfrm>
+          <a:prstGeom prst="rect">
+            <a:avLst/>
+          </a:prstGeom>
+          <a:noFill/>
+        </p:spPr>
+        <p:txBody>
+          <a:bodyPr wrap="square" rtlCol="0">
+            <a:spAutoFit/>
+          </a:bodyPr>
+          <a:lstStyle/>
+          <a:p>
+            <a:r>
+              <a:rPr lang="id-ID" sz="7200" b="1">
+                <a:solidFill>
+                  <a:schemeClr val="tx1">
+                    <a:lumMod val="85000"/>
+                    <a:lumOff val="15000"/>
+                  </a:schemeClr>
+                </a:solidFill>
+                <a:latin typeface="Inter Black" panose="02000503000000020004" pitchFamily="2" charset="0"/>
+                <a:ea typeface="Inter Black" panose="02000503000000020004" pitchFamily="2" charset="0"/>
+              </a:rPr>
+              <a:t>FRONTEND</a:t>
+            </a:r>
+          </a:p>
+        </p:txBody>
+      </p:sp>
+      <p:pic>
+        <p:nvPicPr>
+          <p:cNvPr id="5" name="Graphic 4">
+            <a:extLst>
+              <a:ext uri="{FF2B5EF4-FFF2-40B4-BE49-F238E27FC236}">
+                <a16:creationId xmlns:a16="http://schemas.microsoft.com/office/drawing/2014/main" id="{3A3C78C6-F9DB-FD25-8235-121772F5DC9C}"/>
+              </a:ext>
+            </a:extLst>
+          </p:cNvPr>
+          <p:cNvPicPr>
+            <a:picLocks noChangeAspect="1"/>
+          </p:cNvPicPr>
+          <p:nvPr/>
+        </p:nvPicPr>
+        <p:blipFill>
+          <a:blip r:embed="rId3">
+            <a:extLst>
+              <a:ext uri="{28A0092B-C50C-407E-A947-70E740481C1C}">
+                <a14:useLocalDpi xmlns:a14="http://schemas.microsoft.com/office/drawing/2010/main" val="0"/>
+              </a:ext>
+              <a:ext uri="{96DAC541-7B7A-43D3-8B79-37D633B846F1}">
+                <asvg:svgBlip xmlns:asvg="http://schemas.microsoft.com/office/drawing/2016/SVG/main" r:embed="rId4"/>
+              </a:ext>
+            </a:extLst>
+          </a:blip>
+          <a:stretch>
+            <a:fillRect/>
+          </a:stretch>
+        </p:blipFill>
+        <p:spPr>
+          <a:xfrm>
+            <a:off x="158750" y="129044"/>
+            <a:ext cx="666750" cy="433004"/>
+          </a:xfrm>
+          <a:prstGeom prst="rect">
+            <a:avLst/>
+          </a:prstGeom>
+        </p:spPr>
+      </p:pic>
+    </p:spTree>
+    <p:extLst>
+      <p:ext uri="{BB962C8B-B14F-4D97-AF65-F5344CB8AC3E}">
+        <p14:creationId xmlns:p14="http://schemas.microsoft.com/office/powerpoint/2010/main" val="2883145981"/>
+      </p:ext>
+    </p:extLst>
+  </p:cSld>
+  <p:clrMapOvr>
+    <a:masterClrMapping/>
+  </p:clrMapOvr>
+  <mc:AlternateContent xmlns:mc="http://schemas.openxmlformats.org/markup-compatibility/2006">
+    <mc:Choice xmlns:p159="http://schemas.microsoft.com/office/powerpoint/2015/09/main" Requires="p159">
+      <p:transition spd="med">
+        <p159:morph option="byObject"/>
+      </p:transition>
+    </mc:Choice>
+    <mc:Fallback>
+      <p:transition spd="med">
         <p:fade/>
       </p:transition>
     </mc:Fallback>
